--- a/03. Async JS/Presentation.pptx
+++ b/03. Async JS/Presentation.pptx
@@ -5063,53 +5063,516 @@
           <a:chExt cx="0" cy="0"/>
         </a:xfrm>
       </p:grpSpPr>
-      <p:sp>
-        <p:nvSpPr>
-          <p:cNvPr id="2" name="Title 1">
-            <a:extLst>
-              <a:ext uri="{FF2B5EF4-FFF2-40B4-BE49-F238E27FC236}">
-                <a16:creationId xmlns:a16="http://schemas.microsoft.com/office/drawing/2014/main" id="{5535B8FB-CC6F-4FAC-82C2-02AA990CEC61}"/>
-              </a:ext>
-            </a:extLst>
-          </p:cNvPr>
-          <p:cNvSpPr>
-            <a:spLocks noGrp="1"/>
-          </p:cNvSpPr>
-          <p:nvPr>
-            <p:ph type="title"/>
-          </p:nvPr>
-        </p:nvSpPr>
-        <p:spPr/>
-        <p:txBody>
-          <a:bodyPr/>
-          <a:lstStyle/>
-          <a:p>
-            <a:endParaRPr lang="en-US"/>
-          </a:p>
-        </p:txBody>
-      </p:sp>
-      <p:sp>
-        <p:nvSpPr>
-          <p:cNvPr id="3" name="Content Placeholder 2">
-            <a:extLst>
-              <a:ext uri="{FF2B5EF4-FFF2-40B4-BE49-F238E27FC236}">
-                <a16:creationId xmlns:a16="http://schemas.microsoft.com/office/drawing/2014/main" id="{19068E86-8892-4476-8CF0-280AB888D503}"/>
-              </a:ext>
-            </a:extLst>
-          </p:cNvPr>
-          <p:cNvSpPr>
-            <a:spLocks noGrp="1"/>
-          </p:cNvSpPr>
+      <p:pic>
+        <p:nvPicPr>
+          <p:cNvPr id="6" name="Content Placeholder 5">
+            <a:extLst>
+              <a:ext uri="{FF2B5EF4-FFF2-40B4-BE49-F238E27FC236}">
+                <a16:creationId xmlns:a16="http://schemas.microsoft.com/office/drawing/2014/main" id="{DBF375DB-83BD-4908-AC84-FB3EF66492C6}"/>
+              </a:ext>
+            </a:extLst>
+          </p:cNvPr>
+          <p:cNvPicPr>
+            <a:picLocks noGrp="1" noChangeAspect="1"/>
+          </p:cNvPicPr>
           <p:nvPr>
             <p:ph idx="1"/>
           </p:nvPr>
-        </p:nvSpPr>
-        <p:spPr/>
-        <p:txBody>
-          <a:bodyPr/>
-          <a:lstStyle/>
-          <a:p>
-            <a:endParaRPr lang="en-US"/>
+        </p:nvPicPr>
+        <p:blipFill>
+          <a:blip r:embed="rId2">
+            <a:extLst>
+              <a:ext uri="{28A0092B-C50C-407E-A947-70E740481C1C}">
+                <a14:useLocalDpi xmlns:a14="http://schemas.microsoft.com/office/drawing/2010/main" val="0"/>
+              </a:ext>
+              <a:ext uri="{96DAC541-7B7A-43D3-8B79-37D633B846F1}">
+                <asvg:svgBlip xmlns:asvg="http://schemas.microsoft.com/office/drawing/2016/SVG/main" r:embed="rId3"/>
+              </a:ext>
+            </a:extLst>
+          </a:blip>
+          <a:stretch>
+            <a:fillRect/>
+          </a:stretch>
+        </p:blipFill>
+        <p:spPr>
+          <a:xfrm>
+            <a:off x="0" y="2404449"/>
+            <a:ext cx="6828778" cy="4453551"/>
+          </a:xfrm>
+        </p:spPr>
+      </p:pic>
+      <p:pic>
+        <p:nvPicPr>
+          <p:cNvPr id="5124" name="Picture 4" descr="REST API Guides | Kinvey">
+            <a:extLst>
+              <a:ext uri="{FF2B5EF4-FFF2-40B4-BE49-F238E27FC236}">
+                <a16:creationId xmlns:a16="http://schemas.microsoft.com/office/drawing/2014/main" id="{62C7E814-D589-41BA-8098-70F279ABD550}"/>
+              </a:ext>
+            </a:extLst>
+          </p:cNvPr>
+          <p:cNvPicPr>
+            <a:picLocks noChangeAspect="1" noChangeArrowheads="1"/>
+          </p:cNvPicPr>
+          <p:nvPr/>
+        </p:nvPicPr>
+        <p:blipFill>
+          <a:blip r:embed="rId4">
+            <a:extLst>
+              <a:ext uri="{28A0092B-C50C-407E-A947-70E740481C1C}">
+                <a14:useLocalDpi xmlns:a14="http://schemas.microsoft.com/office/drawing/2010/main" val="0"/>
+              </a:ext>
+            </a:extLst>
+          </a:blip>
+          <a:srcRect/>
+          <a:stretch>
+            <a:fillRect/>
+          </a:stretch>
+        </p:blipFill>
+        <p:spPr bwMode="auto">
+          <a:xfrm>
+            <a:off x="2503502" y="495356"/>
+            <a:ext cx="7392047" cy="1130548"/>
+          </a:xfrm>
+          <a:prstGeom prst="rect">
+            <a:avLst/>
+          </a:prstGeom>
+          <a:noFill/>
+          <a:extLst>
+            <a:ext uri="{909E8E84-426E-40DD-AFC4-6F175D3DCCD1}">
+              <a14:hiddenFill xmlns:a14="http://schemas.microsoft.com/office/drawing/2010/main">
+                <a:solidFill>
+                  <a:srgbClr val="FFFFFF"/>
+                </a:solidFill>
+              </a14:hiddenFill>
+            </a:ext>
+          </a:extLst>
+        </p:spPr>
+      </p:pic>
+      <p:sp>
+        <p:nvSpPr>
+          <p:cNvPr id="7" name="Rectangle 6">
+            <a:extLst>
+              <a:ext uri="{FF2B5EF4-FFF2-40B4-BE49-F238E27FC236}">
+                <a16:creationId xmlns:a16="http://schemas.microsoft.com/office/drawing/2014/main" id="{B39C50DB-A45D-44D8-914D-0E67E292E4A6}"/>
+              </a:ext>
+            </a:extLst>
+          </p:cNvPr>
+          <p:cNvSpPr/>
+          <p:nvPr/>
+        </p:nvSpPr>
+        <p:spPr>
+          <a:xfrm>
+            <a:off x="5429468" y="1441237"/>
+            <a:ext cx="4327091" cy="461665"/>
+          </a:xfrm>
+          <a:prstGeom prst="rect">
+            <a:avLst/>
+          </a:prstGeom>
+        </p:spPr>
+        <p:txBody>
+          <a:bodyPr wrap="square">
+            <a:spAutoFit/>
+          </a:bodyPr>
+          <a:lstStyle/>
+          <a:p>
+            <a:r>
+              <a:rPr lang="en-US" sz="2400" dirty="0"/>
+              <a:t>https://console.kinvey.com/login</a:t>
+            </a:r>
+          </a:p>
+        </p:txBody>
+      </p:sp>
+      <p:sp>
+        <p:nvSpPr>
+          <p:cNvPr id="8" name="Rectangle 7">
+            <a:extLst>
+              <a:ext uri="{FF2B5EF4-FFF2-40B4-BE49-F238E27FC236}">
+                <a16:creationId xmlns:a16="http://schemas.microsoft.com/office/drawing/2014/main" id="{36567F33-A60F-48F8-A8CE-E0B1E7B2F95C}"/>
+              </a:ext>
+            </a:extLst>
+          </p:cNvPr>
+          <p:cNvSpPr/>
+          <p:nvPr/>
+        </p:nvSpPr>
+        <p:spPr>
+          <a:xfrm>
+            <a:off x="3323206" y="2294079"/>
+            <a:ext cx="8990121" cy="646331"/>
+          </a:xfrm>
+          <a:prstGeom prst="rect">
+            <a:avLst/>
+          </a:prstGeom>
+        </p:spPr>
+        <p:txBody>
+          <a:bodyPr wrap="square">
+            <a:spAutoFit/>
+          </a:bodyPr>
+          <a:lstStyle/>
+          <a:p>
+            <a:r>
+              <a:rPr lang="bg-BG" dirty="0"/>
+              <a:t>Б</a:t>
+            </a:r>
+            <a:r>
+              <a:rPr lang="en-US" dirty="0" err="1"/>
+              <a:t>екенд</a:t>
+            </a:r>
+            <a:r>
+              <a:rPr lang="en-US" dirty="0"/>
+              <a:t> </a:t>
+            </a:r>
+            <a:r>
+              <a:rPr lang="en-US" dirty="0" err="1"/>
+              <a:t>като</a:t>
+            </a:r>
+            <a:r>
+              <a:rPr lang="en-US" dirty="0"/>
+              <a:t> </a:t>
+            </a:r>
+            <a:r>
+              <a:rPr lang="en-US" dirty="0" err="1"/>
+              <a:t>услуга</a:t>
+            </a:r>
+            <a:r>
+              <a:rPr lang="en-US" dirty="0"/>
+              <a:t> е </a:t>
+            </a:r>
+            <a:r>
+              <a:rPr lang="en-US" dirty="0" err="1"/>
+              <a:t>модел</a:t>
+            </a:r>
+            <a:r>
+              <a:rPr lang="en-US" dirty="0"/>
+              <a:t> </a:t>
+            </a:r>
+            <a:r>
+              <a:rPr lang="en-US" dirty="0" err="1"/>
+              <a:t>за</a:t>
+            </a:r>
+            <a:r>
+              <a:rPr lang="en-US" dirty="0"/>
+              <a:t> </a:t>
+            </a:r>
+            <a:r>
+              <a:rPr lang="en-US" dirty="0" err="1"/>
+              <a:t>предоставяне</a:t>
+            </a:r>
+            <a:r>
+              <a:rPr lang="en-US" dirty="0"/>
+              <a:t> </a:t>
+            </a:r>
+            <a:r>
+              <a:rPr lang="en-US" dirty="0" err="1"/>
+              <a:t>на</a:t>
+            </a:r>
+            <a:r>
+              <a:rPr lang="en-US" dirty="0"/>
+              <a:t> </a:t>
+            </a:r>
+            <a:r>
+              <a:rPr lang="en-US" dirty="0" err="1"/>
+              <a:t>разработчиците</a:t>
+            </a:r>
+            <a:r>
+              <a:rPr lang="en-US" dirty="0"/>
+              <a:t> </a:t>
+            </a:r>
+            <a:r>
+              <a:rPr lang="en-US" dirty="0" err="1"/>
+              <a:t>начин</a:t>
+            </a:r>
+            <a:r>
+              <a:rPr lang="en-US" dirty="0"/>
+              <a:t> </a:t>
+            </a:r>
+            <a:r>
+              <a:rPr lang="en-US" dirty="0" err="1"/>
+              <a:t>да</a:t>
+            </a:r>
+            <a:r>
+              <a:rPr lang="en-US" dirty="0"/>
+              <a:t> </a:t>
+            </a:r>
+            <a:r>
+              <a:rPr lang="en-US" dirty="0" err="1"/>
+              <a:t>свържат</a:t>
+            </a:r>
+            <a:r>
+              <a:rPr lang="en-US" dirty="0"/>
+              <a:t> </a:t>
+            </a:r>
+            <a:r>
+              <a:rPr lang="en-US" dirty="0" err="1"/>
+              <a:t>своите</a:t>
+            </a:r>
+            <a:r>
+              <a:rPr lang="en-US" dirty="0"/>
+              <a:t> </a:t>
+            </a:r>
+            <a:r>
+              <a:rPr lang="en-US" dirty="0" err="1"/>
+              <a:t>приложения</a:t>
+            </a:r>
+            <a:r>
+              <a:rPr lang="en-US" dirty="0"/>
+              <a:t> </a:t>
+            </a:r>
+            <a:r>
+              <a:rPr lang="en-US" dirty="0" err="1"/>
+              <a:t>към</a:t>
+            </a:r>
+            <a:r>
+              <a:rPr lang="en-US" dirty="0"/>
+              <a:t> </a:t>
+            </a:r>
+            <a:r>
+              <a:rPr lang="en-US" dirty="0" err="1"/>
+              <a:t>бекенд</a:t>
+            </a:r>
+            <a:r>
+              <a:rPr lang="en-US" dirty="0"/>
+              <a:t> </a:t>
+            </a:r>
+            <a:r>
+              <a:rPr lang="en-US" dirty="0" err="1"/>
+              <a:t>облачно</a:t>
+            </a:r>
+            <a:r>
+              <a:rPr lang="en-US" dirty="0"/>
+              <a:t> </a:t>
+            </a:r>
+            <a:r>
+              <a:rPr lang="en-US" dirty="0" err="1"/>
+              <a:t>съхранение</a:t>
+            </a:r>
+            <a:r>
+              <a:rPr lang="en-US" dirty="0"/>
+              <a:t> и </a:t>
+            </a:r>
+            <a:r>
+              <a:rPr lang="en-US" dirty="0" err="1"/>
+              <a:t>приложни</a:t>
+            </a:r>
+            <a:r>
+              <a:rPr lang="en-US" dirty="0"/>
+              <a:t> </a:t>
+            </a:r>
+            <a:r>
+              <a:rPr lang="en-US" dirty="0" err="1"/>
+              <a:t>програмни</a:t>
+            </a:r>
+            <a:r>
+              <a:rPr lang="en-US" dirty="0"/>
+              <a:t> </a:t>
+            </a:r>
+            <a:r>
+              <a:rPr lang="en-US" dirty="0" err="1"/>
+              <a:t>интерфейси</a:t>
+            </a:r>
+            <a:r>
+              <a:rPr lang="en-US" dirty="0"/>
+              <a:t> (API)</a:t>
+            </a:r>
+            <a:r>
+              <a:rPr lang="bg-BG" dirty="0"/>
+              <a:t>.</a:t>
+            </a:r>
+            <a:endParaRPr lang="en-US" dirty="0"/>
+          </a:p>
+        </p:txBody>
+      </p:sp>
+      <p:sp>
+        <p:nvSpPr>
+          <p:cNvPr id="9" name="Rectangle 8">
+            <a:extLst>
+              <a:ext uri="{FF2B5EF4-FFF2-40B4-BE49-F238E27FC236}">
+                <a16:creationId xmlns:a16="http://schemas.microsoft.com/office/drawing/2014/main" id="{8EA04F31-39BC-4A11-B6A3-75780F4AE3B7}"/>
+              </a:ext>
+            </a:extLst>
+          </p:cNvPr>
+          <p:cNvSpPr/>
+          <p:nvPr/>
+        </p:nvSpPr>
+        <p:spPr>
+          <a:xfrm>
+            <a:off x="3980155" y="2808900"/>
+            <a:ext cx="8072668" cy="923330"/>
+          </a:xfrm>
+          <a:prstGeom prst="rect">
+            <a:avLst/>
+          </a:prstGeom>
+        </p:spPr>
+        <p:txBody>
+          <a:bodyPr wrap="square">
+            <a:spAutoFit/>
+          </a:bodyPr>
+          <a:lstStyle/>
+          <a:p>
+            <a:pPr algn="just"/>
+            <a:r>
+              <a:rPr lang="en-US" dirty="0" err="1"/>
+              <a:t>Доставчиците</a:t>
+            </a:r>
+            <a:r>
+              <a:rPr lang="en-US" dirty="0"/>
+              <a:t> </a:t>
+            </a:r>
+            <a:r>
+              <a:rPr lang="en-US" dirty="0" err="1"/>
+              <a:t>на</a:t>
+            </a:r>
+            <a:r>
+              <a:rPr lang="en-US" dirty="0"/>
+              <a:t> BaaS</a:t>
+            </a:r>
+            <a:r>
+              <a:rPr lang="bg-BG" dirty="0"/>
+              <a:t> (като </a:t>
+            </a:r>
+            <a:r>
+              <a:rPr lang="en-US" dirty="0" err="1"/>
+              <a:t>Kinvery</a:t>
+            </a:r>
+            <a:r>
+              <a:rPr lang="en-US" dirty="0"/>
+              <a:t>) </a:t>
+            </a:r>
+            <a:r>
+              <a:rPr lang="en-US" dirty="0" err="1"/>
+              <a:t>предоставят</a:t>
+            </a:r>
+            <a:r>
+              <a:rPr lang="en-US" dirty="0"/>
+              <a:t> </a:t>
+            </a:r>
+            <a:r>
+              <a:rPr lang="en-US" dirty="0" err="1"/>
+              <a:t>предварително</a:t>
+            </a:r>
+            <a:r>
+              <a:rPr lang="en-US" dirty="0"/>
+              <a:t> </a:t>
+            </a:r>
+            <a:r>
+              <a:rPr lang="en-US" dirty="0" err="1"/>
+              <a:t>написан</a:t>
+            </a:r>
+            <a:r>
+              <a:rPr lang="en-US" dirty="0"/>
+              <a:t> </a:t>
+            </a:r>
+            <a:r>
+              <a:rPr lang="en-US" dirty="0" err="1"/>
+              <a:t>софтуер</a:t>
+            </a:r>
+            <a:r>
+              <a:rPr lang="en-US" dirty="0"/>
+              <a:t> </a:t>
+            </a:r>
+            <a:r>
+              <a:rPr lang="en-US" dirty="0" err="1"/>
+              <a:t>за</a:t>
+            </a:r>
+            <a:r>
+              <a:rPr lang="en-US" dirty="0"/>
+              <a:t> </a:t>
+            </a:r>
+            <a:r>
+              <a:rPr lang="en-US" dirty="0" err="1"/>
+              <a:t>дейности</a:t>
+            </a:r>
+            <a:r>
+              <a:rPr lang="en-US" dirty="0"/>
+              <a:t> </a:t>
+            </a:r>
+            <a:r>
+              <a:rPr lang="en-US" dirty="0" err="1"/>
+              <a:t>като</a:t>
+            </a:r>
+            <a:r>
+              <a:rPr lang="en-US" dirty="0"/>
+              <a:t> </a:t>
+            </a:r>
+            <a:r>
+              <a:rPr lang="en-US" dirty="0" err="1"/>
+              <a:t>удостоверяване</a:t>
+            </a:r>
+            <a:r>
+              <a:rPr lang="en-US" dirty="0"/>
+              <a:t> </a:t>
+            </a:r>
+            <a:r>
+              <a:rPr lang="en-US" dirty="0" err="1"/>
+              <a:t>на</a:t>
+            </a:r>
+            <a:r>
+              <a:rPr lang="en-US" dirty="0"/>
+              <a:t> </a:t>
+            </a:r>
+            <a:r>
+              <a:rPr lang="en-US" dirty="0" err="1"/>
+              <a:t>потребителя</a:t>
+            </a:r>
+            <a:r>
+              <a:rPr lang="en-US" dirty="0"/>
+              <a:t>, </a:t>
+            </a:r>
+            <a:r>
+              <a:rPr lang="en-US" dirty="0" err="1"/>
+              <a:t>управление</a:t>
+            </a:r>
+            <a:r>
+              <a:rPr lang="en-US" dirty="0"/>
+              <a:t> </a:t>
+            </a:r>
+            <a:r>
+              <a:rPr lang="en-US" dirty="0" err="1"/>
+              <a:t>на</a:t>
+            </a:r>
+            <a:r>
+              <a:rPr lang="en-US" dirty="0"/>
+              <a:t> </a:t>
+            </a:r>
+            <a:r>
+              <a:rPr lang="en-US" dirty="0" err="1"/>
+              <a:t>база</a:t>
+            </a:r>
+            <a:r>
+              <a:rPr lang="en-US" dirty="0"/>
+              <a:t> </a:t>
+            </a:r>
+            <a:r>
+              <a:rPr lang="en-US" dirty="0" err="1"/>
+              <a:t>данни</a:t>
+            </a:r>
+            <a:r>
+              <a:rPr lang="en-US" dirty="0"/>
+              <a:t>, </a:t>
+            </a:r>
+            <a:r>
+              <a:rPr lang="en-US" dirty="0" err="1"/>
+              <a:t>съхранение</a:t>
+            </a:r>
+            <a:r>
+              <a:rPr lang="en-US" dirty="0"/>
+              <a:t> в </a:t>
+            </a:r>
+            <a:r>
+              <a:rPr lang="en-US" dirty="0" err="1"/>
+              <a:t>облак</a:t>
+            </a:r>
+            <a:r>
+              <a:rPr lang="en-US" dirty="0"/>
+              <a:t> и </a:t>
+            </a:r>
+            <a:r>
+              <a:rPr lang="en-US" dirty="0" err="1"/>
+              <a:t>хостинг</a:t>
+            </a:r>
+            <a:r>
+              <a:rPr lang="en-US" dirty="0"/>
+              <a:t>.</a:t>
+            </a:r>
           </a:p>
         </p:txBody>
       </p:sp>
